--- a/1 - Keras and TF/Introduction to Neural Networks.pptx
+++ b/1 - Keras and TF/Introduction to Neural Networks.pptx
@@ -1963,7 +1963,7 @@
           <a:lstStyle/>
           <a:p>
             <a:fld id="{383FCE59-ED68-1145-BEA5-66C22E95295E}" type="datetimeFigureOut">
-              <a:t>11.01.2024</a:t>
+              <a:t>09.04.2024</a:t>
             </a:fld>
             <a:endParaRPr lang="en-CH"/>
           </a:p>
@@ -2172,7 +2172,7 @@
           <a:lstStyle/>
           <a:p>
             <a:fld id="{383FCE59-ED68-1145-BEA5-66C22E95295E}" type="datetimeFigureOut">
-              <a:t>11.01.2024</a:t>
+              <a:t>09.04.2024</a:t>
             </a:fld>
             <a:endParaRPr lang="en-CH"/>
           </a:p>
@@ -2391,7 +2391,7 @@
           <a:lstStyle/>
           <a:p>
             <a:fld id="{383FCE59-ED68-1145-BEA5-66C22E95295E}" type="datetimeFigureOut">
-              <a:t>11.01.2024</a:t>
+              <a:t>09.04.2024</a:t>
             </a:fld>
             <a:endParaRPr lang="en-CH"/>
           </a:p>
@@ -4168,7 +4168,7 @@
           <a:lstStyle/>
           <a:p>
             <a:fld id="{383FCE59-ED68-1145-BEA5-66C22E95295E}" type="datetimeFigureOut">
-              <a:t>11.01.2024</a:t>
+              <a:t>09.04.2024</a:t>
             </a:fld>
             <a:endParaRPr lang="en-CH"/>
           </a:p>
@@ -4453,7 +4453,7 @@
           <a:lstStyle/>
           <a:p>
             <a:fld id="{383FCE59-ED68-1145-BEA5-66C22E95295E}" type="datetimeFigureOut">
-              <a:t>11.01.2024</a:t>
+              <a:t>09.04.2024</a:t>
             </a:fld>
             <a:endParaRPr lang="en-CH"/>
           </a:p>
@@ -4730,7 +4730,7 @@
           <a:lstStyle/>
           <a:p>
             <a:fld id="{383FCE59-ED68-1145-BEA5-66C22E95295E}" type="datetimeFigureOut">
-              <a:t>11.01.2024</a:t>
+              <a:t>09.04.2024</a:t>
             </a:fld>
             <a:endParaRPr lang="en-CH"/>
           </a:p>
@@ -5154,7 +5154,7 @@
           <a:lstStyle/>
           <a:p>
             <a:fld id="{383FCE59-ED68-1145-BEA5-66C22E95295E}" type="datetimeFigureOut">
-              <a:t>11.01.2024</a:t>
+              <a:t>09.04.2024</a:t>
             </a:fld>
             <a:endParaRPr lang="en-CH"/>
           </a:p>
@@ -5305,7 +5305,7 @@
           <a:lstStyle/>
           <a:p>
             <a:fld id="{383FCE59-ED68-1145-BEA5-66C22E95295E}" type="datetimeFigureOut">
-              <a:t>11.01.2024</a:t>
+              <a:t>09.04.2024</a:t>
             </a:fld>
             <a:endParaRPr lang="en-CH"/>
           </a:p>
@@ -5427,7 +5427,7 @@
           <a:lstStyle/>
           <a:p>
             <a:fld id="{383FCE59-ED68-1145-BEA5-66C22E95295E}" type="datetimeFigureOut">
-              <a:t>11.01.2024</a:t>
+              <a:t>09.04.2024</a:t>
             </a:fld>
             <a:endParaRPr lang="en-CH"/>
           </a:p>
@@ -5749,7 +5749,7 @@
           <a:lstStyle/>
           <a:p>
             <a:fld id="{383FCE59-ED68-1145-BEA5-66C22E95295E}" type="datetimeFigureOut">
-              <a:t>11.01.2024</a:t>
+              <a:t>09.04.2024</a:t>
             </a:fld>
             <a:endParaRPr lang="en-CH"/>
           </a:p>
@@ -6047,7 +6047,7 @@
           <a:lstStyle/>
           <a:p>
             <a:fld id="{383FCE59-ED68-1145-BEA5-66C22E95295E}" type="datetimeFigureOut">
-              <a:t>11.01.2024</a:t>
+              <a:t>09.04.2024</a:t>
             </a:fld>
             <a:endParaRPr lang="en-CH"/>
           </a:p>
@@ -6302,7 +6302,7 @@
             <a:fld id="{383FCE59-ED68-1145-BEA5-66C22E95295E}" type="datetimeFigureOut">
               <a:rPr lang="en-CH"/>
               <a:pPr/>
-              <a:t>11.01.2024</a:t>
+              <a:t>09.04.2024</a:t>
             </a:fld>
             <a:endParaRPr lang="en-CH"/>
           </a:p>
